--- a/.lessons/17 Fundamental Database - Eloquent ORM/5 Updating Data With Eloquent/1.pptx
+++ b/.lessons/17 Fundamental Database - Eloquent ORM/5 Updating Data With Eloquent/1.pptx
@@ -6,11 +6,16 @@
   </p:sldMasterIdLst>
   <p:sldIdLst>
     <p:sldId id="401" r:id="rId2"/>
-    <p:sldId id="400" r:id="rId3"/>
-    <p:sldId id="402" r:id="rId4"/>
-    <p:sldId id="403" r:id="rId5"/>
-    <p:sldId id="404" r:id="rId6"/>
-    <p:sldId id="405" r:id="rId7"/>
+    <p:sldId id="406" r:id="rId3"/>
+    <p:sldId id="404" r:id="rId4"/>
+    <p:sldId id="400" r:id="rId5"/>
+    <p:sldId id="405" r:id="rId6"/>
+    <p:sldId id="407" r:id="rId7"/>
+    <p:sldId id="402" r:id="rId8"/>
+    <p:sldId id="403" r:id="rId9"/>
+    <p:sldId id="408" r:id="rId10"/>
+    <p:sldId id="409" r:id="rId11"/>
+    <p:sldId id="410" r:id="rId12"/>
   </p:sldIdLst>
   <p:sldSz cx="12192000" cy="6858000"/>
   <p:notesSz cx="6858000" cy="9144000"/>
@@ -4089,7 +4094,387 @@
 </p:sld>
 </file>
 
+<file path=ppt/slides/slide10.xml><?xml version="1.0" encoding="utf-8"?>
+<p:sld xmlns:a="http://schemas.openxmlformats.org/drawingml/2006/main" xmlns:r="http://schemas.openxmlformats.org/officeDocument/2006/relationships" xmlns:p="http://schemas.openxmlformats.org/presentationml/2006/main">
+  <p:cSld>
+    <p:spTree>
+      <p:nvGrpSpPr>
+        <p:cNvPr id="1" name="">
+          <a:extLst>
+            <a:ext uri="{FF2B5EF4-FFF2-40B4-BE49-F238E27FC236}">
+              <a16:creationId xmlns:a16="http://schemas.microsoft.com/office/drawing/2014/main" id="{E4F57061-4308-8367-F0AD-15F7813B094B}"/>
+            </a:ext>
+          </a:extLst>
+        </p:cNvPr>
+        <p:cNvGrpSpPr/>
+        <p:nvPr/>
+      </p:nvGrpSpPr>
+      <p:grpSpPr>
+        <a:xfrm>
+          <a:off x="0" y="0"/>
+          <a:ext cx="0" cy="0"/>
+          <a:chOff x="0" y="0"/>
+          <a:chExt cx="0" cy="0"/>
+        </a:xfrm>
+      </p:grpSpPr>
+      <p:sp>
+        <p:nvSpPr>
+          <p:cNvPr id="3" name="TextBox 2">
+            <a:extLst>
+              <a:ext uri="{FF2B5EF4-FFF2-40B4-BE49-F238E27FC236}">
+                <a16:creationId xmlns:a16="http://schemas.microsoft.com/office/drawing/2014/main" id="{FCF9EA6F-A370-ED43-9CAE-092C77F8DEAC}"/>
+              </a:ext>
+            </a:extLst>
+          </p:cNvPr>
+          <p:cNvSpPr txBox="1"/>
+          <p:nvPr/>
+        </p:nvSpPr>
+        <p:spPr>
+          <a:xfrm>
+            <a:off x="217714" y="255046"/>
+            <a:ext cx="11756571" cy="355354"/>
+          </a:xfrm>
+          <a:prstGeom prst="rect">
+            <a:avLst/>
+          </a:prstGeom>
+          <a:noFill/>
+        </p:spPr>
+        <p:txBody>
+          <a:bodyPr wrap="square">
+            <a:spAutoFit/>
+          </a:bodyPr>
+          <a:lstStyle/>
+          <a:p>
+            <a:pPr>
+              <a:lnSpc>
+                <a:spcPct val="150000"/>
+              </a:lnSpc>
+              <a:buNone/>
+            </a:pPr>
+            <a:r>
+              <a:rPr kumimoji="0" lang="en-US" altLang="en-US" sz="1300" b="0" i="0" u="none" strike="noStrike" cap="none" normalizeH="0" baseline="0">
+                <a:ln>
+                  <a:noFill/>
+                </a:ln>
+                <a:solidFill>
+                  <a:schemeClr val="tx1"/>
+                </a:solidFill>
+                <a:effectLst/>
+                <a:latin typeface="Arial" panose="020B0604020202020204" pitchFamily="34" charset="0"/>
+              </a:rPr>
+              <a:t>.</a:t>
+            </a:r>
+          </a:p>
+        </p:txBody>
+      </p:sp>
+      <p:pic>
+        <p:nvPicPr>
+          <p:cNvPr id="4" name="Picture 3">
+            <a:extLst>
+              <a:ext uri="{FF2B5EF4-FFF2-40B4-BE49-F238E27FC236}">
+                <a16:creationId xmlns:a16="http://schemas.microsoft.com/office/drawing/2014/main" id="{BCB7F6AC-86D9-02D9-8FF3-2B7F804746A4}"/>
+              </a:ext>
+            </a:extLst>
+          </p:cNvPr>
+          <p:cNvPicPr>
+            <a:picLocks noChangeAspect="1"/>
+          </p:cNvPicPr>
+          <p:nvPr/>
+        </p:nvPicPr>
+        <p:blipFill>
+          <a:blip r:embed="rId2">
+            <a:extLst>
+              <a:ext uri="{28A0092B-C50C-407E-A947-70E740481C1C}">
+                <a14:useLocalDpi xmlns:a14="http://schemas.microsoft.com/office/drawing/2010/main" val="0"/>
+              </a:ext>
+            </a:extLst>
+          </a:blip>
+          <a:stretch>
+            <a:fillRect/>
+          </a:stretch>
+        </p:blipFill>
+        <p:spPr>
+          <a:xfrm>
+            <a:off x="389728" y="1614234"/>
+            <a:ext cx="11412543" cy="3629532"/>
+          </a:xfrm>
+          <a:prstGeom prst="rect">
+            <a:avLst/>
+          </a:prstGeom>
+          <a:ln w="38100" cap="sq">
+            <a:solidFill>
+              <a:srgbClr val="000000"/>
+            </a:solidFill>
+            <a:prstDash val="solid"/>
+            <a:miter lim="800000"/>
+          </a:ln>
+          <a:effectLst>
+            <a:outerShdw blurRad="50800" dist="38100" dir="2700000" algn="tl" rotWithShape="0">
+              <a:srgbClr val="000000">
+                <a:alpha val="43000"/>
+              </a:srgbClr>
+            </a:outerShdw>
+          </a:effectLst>
+        </p:spPr>
+      </p:pic>
+    </p:spTree>
+    <p:extLst>
+      <p:ext uri="{BB962C8B-B14F-4D97-AF65-F5344CB8AC3E}">
+        <p14:creationId xmlns:p14="http://schemas.microsoft.com/office/powerpoint/2010/main" val="37863968"/>
+      </p:ext>
+    </p:extLst>
+  </p:cSld>
+  <p:clrMapOvr>
+    <a:masterClrMapping/>
+  </p:clrMapOvr>
+</p:sld>
+</file>
+
+<file path=ppt/slides/slide11.xml><?xml version="1.0" encoding="utf-8"?>
+<p:sld xmlns:a="http://schemas.openxmlformats.org/drawingml/2006/main" xmlns:r="http://schemas.openxmlformats.org/officeDocument/2006/relationships" xmlns:p="http://schemas.openxmlformats.org/presentationml/2006/main">
+  <p:cSld>
+    <p:spTree>
+      <p:nvGrpSpPr>
+        <p:cNvPr id="1" name="">
+          <a:extLst>
+            <a:ext uri="{FF2B5EF4-FFF2-40B4-BE49-F238E27FC236}">
+              <a16:creationId xmlns:a16="http://schemas.microsoft.com/office/drawing/2014/main" id="{D4F38762-D627-8E2D-9924-A6E53D123410}"/>
+            </a:ext>
+          </a:extLst>
+        </p:cNvPr>
+        <p:cNvGrpSpPr/>
+        <p:nvPr/>
+      </p:nvGrpSpPr>
+      <p:grpSpPr>
+        <a:xfrm>
+          <a:off x="0" y="0"/>
+          <a:ext cx="0" cy="0"/>
+          <a:chOff x="0" y="0"/>
+          <a:chExt cx="0" cy="0"/>
+        </a:xfrm>
+      </p:grpSpPr>
+      <p:sp>
+        <p:nvSpPr>
+          <p:cNvPr id="3" name="TextBox 2">
+            <a:extLst>
+              <a:ext uri="{FF2B5EF4-FFF2-40B4-BE49-F238E27FC236}">
+                <a16:creationId xmlns:a16="http://schemas.microsoft.com/office/drawing/2014/main" id="{14D2DE4B-7F35-E885-321B-DC1C6F1F64A5}"/>
+              </a:ext>
+            </a:extLst>
+          </p:cNvPr>
+          <p:cNvSpPr txBox="1"/>
+          <p:nvPr/>
+        </p:nvSpPr>
+        <p:spPr>
+          <a:xfrm>
+            <a:off x="217714" y="255046"/>
+            <a:ext cx="11756571" cy="355354"/>
+          </a:xfrm>
+          <a:prstGeom prst="rect">
+            <a:avLst/>
+          </a:prstGeom>
+          <a:noFill/>
+        </p:spPr>
+        <p:txBody>
+          <a:bodyPr wrap="square">
+            <a:spAutoFit/>
+          </a:bodyPr>
+          <a:lstStyle/>
+          <a:p>
+            <a:pPr>
+              <a:lnSpc>
+                <a:spcPct val="150000"/>
+              </a:lnSpc>
+              <a:buNone/>
+            </a:pPr>
+            <a:r>
+              <a:rPr kumimoji="0" lang="en-US" altLang="en-US" sz="1300" b="0" i="0" u="none" strike="noStrike" cap="none" normalizeH="0" baseline="0">
+                <a:ln>
+                  <a:noFill/>
+                </a:ln>
+                <a:solidFill>
+                  <a:schemeClr val="tx1"/>
+                </a:solidFill>
+                <a:effectLst/>
+                <a:latin typeface="Arial" panose="020B0604020202020204" pitchFamily="34" charset="0"/>
+              </a:rPr>
+              <a:t>.</a:t>
+            </a:r>
+          </a:p>
+        </p:txBody>
+      </p:sp>
+    </p:spTree>
+    <p:extLst>
+      <p:ext uri="{BB962C8B-B14F-4D97-AF65-F5344CB8AC3E}">
+        <p14:creationId xmlns:p14="http://schemas.microsoft.com/office/powerpoint/2010/main" val="615223580"/>
+      </p:ext>
+    </p:extLst>
+  </p:cSld>
+  <p:clrMapOvr>
+    <a:masterClrMapping/>
+  </p:clrMapOvr>
+</p:sld>
+</file>
+
 <file path=ppt/slides/slide2.xml><?xml version="1.0" encoding="utf-8"?>
+<p:sld xmlns:a="http://schemas.openxmlformats.org/drawingml/2006/main" xmlns:r="http://schemas.openxmlformats.org/officeDocument/2006/relationships" xmlns:p="http://schemas.openxmlformats.org/presentationml/2006/main">
+  <p:cSld>
+    <p:spTree>
+      <p:nvGrpSpPr>
+        <p:cNvPr id="1" name="">
+          <a:extLst>
+            <a:ext uri="{FF2B5EF4-FFF2-40B4-BE49-F238E27FC236}">
+              <a16:creationId xmlns:a16="http://schemas.microsoft.com/office/drawing/2014/main" id="{5FCFE1AB-0373-2B28-07B3-158A1D7D14A0}"/>
+            </a:ext>
+          </a:extLst>
+        </p:cNvPr>
+        <p:cNvGrpSpPr/>
+        <p:nvPr/>
+      </p:nvGrpSpPr>
+      <p:grpSpPr>
+        <a:xfrm>
+          <a:off x="0" y="0"/>
+          <a:ext cx="0" cy="0"/>
+          <a:chOff x="0" y="0"/>
+          <a:chExt cx="0" cy="0"/>
+        </a:xfrm>
+      </p:grpSpPr>
+      <p:pic>
+        <p:nvPicPr>
+          <p:cNvPr id="4" name="Picture 3">
+            <a:extLst>
+              <a:ext uri="{FF2B5EF4-FFF2-40B4-BE49-F238E27FC236}">
+                <a16:creationId xmlns:a16="http://schemas.microsoft.com/office/drawing/2014/main" id="{0FB8F8E2-F85E-32F6-FEED-A784EEF50BFB}"/>
+              </a:ext>
+            </a:extLst>
+          </p:cNvPr>
+          <p:cNvPicPr>
+            <a:picLocks noChangeAspect="1"/>
+          </p:cNvPicPr>
+          <p:nvPr/>
+        </p:nvPicPr>
+        <p:blipFill>
+          <a:blip r:embed="rId2">
+            <a:extLst>
+              <a:ext uri="{28A0092B-C50C-407E-A947-70E740481C1C}">
+                <a14:useLocalDpi xmlns:a14="http://schemas.microsoft.com/office/drawing/2010/main" val="0"/>
+              </a:ext>
+            </a:extLst>
+          </a:blip>
+          <a:stretch>
+            <a:fillRect/>
+          </a:stretch>
+        </p:blipFill>
+        <p:spPr>
+          <a:xfrm>
+            <a:off x="3885891" y="1457050"/>
+            <a:ext cx="4420217" cy="3943900"/>
+          </a:xfrm>
+          <a:prstGeom prst="rect">
+            <a:avLst/>
+          </a:prstGeom>
+        </p:spPr>
+      </p:pic>
+    </p:spTree>
+    <p:extLst>
+      <p:ext uri="{BB962C8B-B14F-4D97-AF65-F5344CB8AC3E}">
+        <p14:creationId xmlns:p14="http://schemas.microsoft.com/office/powerpoint/2010/main" val="2984752761"/>
+      </p:ext>
+    </p:extLst>
+  </p:cSld>
+  <p:clrMapOvr>
+    <a:masterClrMapping/>
+  </p:clrMapOvr>
+</p:sld>
+</file>
+
+<file path=ppt/slides/slide3.xml><?xml version="1.0" encoding="utf-8"?>
+<p:sld xmlns:a="http://schemas.openxmlformats.org/drawingml/2006/main" xmlns:r="http://schemas.openxmlformats.org/officeDocument/2006/relationships" xmlns:p="http://schemas.openxmlformats.org/presentationml/2006/main">
+  <p:cSld>
+    <p:spTree>
+      <p:nvGrpSpPr>
+        <p:cNvPr id="1" name="">
+          <a:extLst>
+            <a:ext uri="{FF2B5EF4-FFF2-40B4-BE49-F238E27FC236}">
+              <a16:creationId xmlns:a16="http://schemas.microsoft.com/office/drawing/2014/main" id="{B82A7EE0-52EC-7843-B752-C394FA10A4D3}"/>
+            </a:ext>
+          </a:extLst>
+        </p:cNvPr>
+        <p:cNvGrpSpPr/>
+        <p:nvPr/>
+      </p:nvGrpSpPr>
+      <p:grpSpPr>
+        <a:xfrm>
+          <a:off x="0" y="0"/>
+          <a:ext cx="0" cy="0"/>
+          <a:chOff x="0" y="0"/>
+          <a:chExt cx="0" cy="0"/>
+        </a:xfrm>
+      </p:grpSpPr>
+      <p:pic>
+        <p:nvPicPr>
+          <p:cNvPr id="4" name="Picture 3">
+            <a:extLst>
+              <a:ext uri="{FF2B5EF4-FFF2-40B4-BE49-F238E27FC236}">
+                <a16:creationId xmlns:a16="http://schemas.microsoft.com/office/drawing/2014/main" id="{021408A4-53BE-758C-6776-F2BA8967B668}"/>
+              </a:ext>
+            </a:extLst>
+          </p:cNvPr>
+          <p:cNvPicPr>
+            <a:picLocks noChangeAspect="1"/>
+          </p:cNvPicPr>
+          <p:nvPr/>
+        </p:nvPicPr>
+        <p:blipFill>
+          <a:blip r:embed="rId2">
+            <a:extLst>
+              <a:ext uri="{28A0092B-C50C-407E-A947-70E740481C1C}">
+                <a14:useLocalDpi xmlns:a14="http://schemas.microsoft.com/office/drawing/2010/main" val="0"/>
+              </a:ext>
+            </a:extLst>
+          </a:blip>
+          <a:stretch>
+            <a:fillRect/>
+          </a:stretch>
+        </p:blipFill>
+        <p:spPr>
+          <a:xfrm>
+            <a:off x="0" y="1631940"/>
+            <a:ext cx="12192000" cy="3594120"/>
+          </a:xfrm>
+          <a:prstGeom prst="rect">
+            <a:avLst/>
+          </a:prstGeom>
+          <a:ln w="38100" cap="sq">
+            <a:solidFill>
+              <a:srgbClr val="000000"/>
+            </a:solidFill>
+            <a:prstDash val="solid"/>
+            <a:miter lim="800000"/>
+          </a:ln>
+          <a:effectLst>
+            <a:outerShdw blurRad="50800" dist="38100" dir="2700000" algn="tl" rotWithShape="0">
+              <a:srgbClr val="000000">
+                <a:alpha val="43000"/>
+              </a:srgbClr>
+            </a:outerShdw>
+          </a:effectLst>
+        </p:spPr>
+      </p:pic>
+    </p:spTree>
+    <p:extLst>
+      <p:ext uri="{BB962C8B-B14F-4D97-AF65-F5344CB8AC3E}">
+        <p14:creationId xmlns:p14="http://schemas.microsoft.com/office/powerpoint/2010/main" val="1957643702"/>
+      </p:ext>
+    </p:extLst>
+  </p:cSld>
+  <p:clrMapOvr>
+    <a:masterClrMapping/>
+  </p:clrMapOvr>
+</p:sld>
+</file>
+
+<file path=ppt/slides/slide4.xml><?xml version="1.0" encoding="utf-8"?>
 <p:sld xmlns:a="http://schemas.openxmlformats.org/drawingml/2006/main" xmlns:r="http://schemas.openxmlformats.org/officeDocument/2006/relationships" xmlns:p="http://schemas.openxmlformats.org/presentationml/2006/main">
   <p:cSld>
     <p:spTree>
@@ -4734,7 +5119,251 @@
 </p:sld>
 </file>
 
-<file path=ppt/slides/slide3.xml><?xml version="1.0" encoding="utf-8"?>
+<file path=ppt/slides/slide5.xml><?xml version="1.0" encoding="utf-8"?>
+<p:sld xmlns:a="http://schemas.openxmlformats.org/drawingml/2006/main" xmlns:r="http://schemas.openxmlformats.org/officeDocument/2006/relationships" xmlns:p="http://schemas.openxmlformats.org/presentationml/2006/main">
+  <p:cSld>
+    <p:spTree>
+      <p:nvGrpSpPr>
+        <p:cNvPr id="1" name="">
+          <a:extLst>
+            <a:ext uri="{FF2B5EF4-FFF2-40B4-BE49-F238E27FC236}">
+              <a16:creationId xmlns:a16="http://schemas.microsoft.com/office/drawing/2014/main" id="{418F6AD1-47D1-A4E3-CA36-674873E115AA}"/>
+            </a:ext>
+          </a:extLst>
+        </p:cNvPr>
+        <p:cNvGrpSpPr/>
+        <p:nvPr/>
+      </p:nvGrpSpPr>
+      <p:grpSpPr>
+        <a:xfrm>
+          <a:off x="0" y="0"/>
+          <a:ext cx="0" cy="0"/>
+          <a:chOff x="0" y="0"/>
+          <a:chExt cx="0" cy="0"/>
+        </a:xfrm>
+      </p:grpSpPr>
+      <p:sp>
+        <p:nvSpPr>
+          <p:cNvPr id="3" name="TextBox 2">
+            <a:extLst>
+              <a:ext uri="{FF2B5EF4-FFF2-40B4-BE49-F238E27FC236}">
+                <a16:creationId xmlns:a16="http://schemas.microsoft.com/office/drawing/2014/main" id="{84A51F02-2891-7FE4-08FD-92204CE79F62}"/>
+              </a:ext>
+            </a:extLst>
+          </p:cNvPr>
+          <p:cNvSpPr txBox="1"/>
+          <p:nvPr/>
+        </p:nvSpPr>
+        <p:spPr>
+          <a:xfrm>
+            <a:off x="217714" y="255046"/>
+            <a:ext cx="11756571" cy="355354"/>
+          </a:xfrm>
+          <a:prstGeom prst="rect">
+            <a:avLst/>
+          </a:prstGeom>
+          <a:noFill/>
+        </p:spPr>
+        <p:txBody>
+          <a:bodyPr wrap="square">
+            <a:spAutoFit/>
+          </a:bodyPr>
+          <a:lstStyle/>
+          <a:p>
+            <a:pPr>
+              <a:lnSpc>
+                <a:spcPct val="150000"/>
+              </a:lnSpc>
+              <a:buNone/>
+            </a:pPr>
+            <a:r>
+              <a:rPr kumimoji="0" lang="en-US" altLang="en-US" sz="1300" b="0" i="0" u="none" strike="noStrike" cap="none" normalizeH="0" baseline="0">
+                <a:ln>
+                  <a:noFill/>
+                </a:ln>
+                <a:solidFill>
+                  <a:schemeClr val="tx1"/>
+                </a:solidFill>
+                <a:effectLst/>
+                <a:latin typeface="Arial" panose="020B0604020202020204" pitchFamily="34" charset="0"/>
+              </a:rPr>
+              <a:t>.</a:t>
+            </a:r>
+          </a:p>
+        </p:txBody>
+      </p:sp>
+      <p:pic>
+        <p:nvPicPr>
+          <p:cNvPr id="4" name="Picture 3">
+            <a:extLst>
+              <a:ext uri="{FF2B5EF4-FFF2-40B4-BE49-F238E27FC236}">
+                <a16:creationId xmlns:a16="http://schemas.microsoft.com/office/drawing/2014/main" id="{99B43B73-9057-AA47-1617-757E2B32B3FE}"/>
+              </a:ext>
+            </a:extLst>
+          </p:cNvPr>
+          <p:cNvPicPr>
+            <a:picLocks noChangeAspect="1"/>
+          </p:cNvPicPr>
+          <p:nvPr/>
+        </p:nvPicPr>
+        <p:blipFill>
+          <a:blip r:embed="rId2">
+            <a:extLst>
+              <a:ext uri="{28A0092B-C50C-407E-A947-70E740481C1C}">
+                <a14:useLocalDpi xmlns:a14="http://schemas.microsoft.com/office/drawing/2010/main" val="0"/>
+              </a:ext>
+            </a:extLst>
+          </a:blip>
+          <a:stretch>
+            <a:fillRect/>
+          </a:stretch>
+        </p:blipFill>
+        <p:spPr>
+          <a:xfrm>
+            <a:off x="3781102" y="1457050"/>
+            <a:ext cx="4629796" cy="3943900"/>
+          </a:xfrm>
+          <a:prstGeom prst="rect">
+            <a:avLst/>
+          </a:prstGeom>
+        </p:spPr>
+      </p:pic>
+    </p:spTree>
+    <p:extLst>
+      <p:ext uri="{BB962C8B-B14F-4D97-AF65-F5344CB8AC3E}">
+        <p14:creationId xmlns:p14="http://schemas.microsoft.com/office/powerpoint/2010/main" val="217460586"/>
+      </p:ext>
+    </p:extLst>
+  </p:cSld>
+  <p:clrMapOvr>
+    <a:masterClrMapping/>
+  </p:clrMapOvr>
+</p:sld>
+</file>
+
+<file path=ppt/slides/slide6.xml><?xml version="1.0" encoding="utf-8"?>
+<p:sld xmlns:a="http://schemas.openxmlformats.org/drawingml/2006/main" xmlns:r="http://schemas.openxmlformats.org/officeDocument/2006/relationships" xmlns:p="http://schemas.openxmlformats.org/presentationml/2006/main">
+  <p:cSld>
+    <p:spTree>
+      <p:nvGrpSpPr>
+        <p:cNvPr id="1" name="">
+          <a:extLst>
+            <a:ext uri="{FF2B5EF4-FFF2-40B4-BE49-F238E27FC236}">
+              <a16:creationId xmlns:a16="http://schemas.microsoft.com/office/drawing/2014/main" id="{26C493FD-5696-9446-D2D2-4FEFD89DB8F8}"/>
+            </a:ext>
+          </a:extLst>
+        </p:cNvPr>
+        <p:cNvGrpSpPr/>
+        <p:nvPr/>
+      </p:nvGrpSpPr>
+      <p:grpSpPr>
+        <a:xfrm>
+          <a:off x="0" y="0"/>
+          <a:ext cx="0" cy="0"/>
+          <a:chOff x="0" y="0"/>
+          <a:chExt cx="0" cy="0"/>
+        </a:xfrm>
+      </p:grpSpPr>
+      <p:sp>
+        <p:nvSpPr>
+          <p:cNvPr id="3" name="TextBox 2">
+            <a:extLst>
+              <a:ext uri="{FF2B5EF4-FFF2-40B4-BE49-F238E27FC236}">
+                <a16:creationId xmlns:a16="http://schemas.microsoft.com/office/drawing/2014/main" id="{0CE3D56A-B3A0-A961-58A7-A25A1F9A8C66}"/>
+              </a:ext>
+            </a:extLst>
+          </p:cNvPr>
+          <p:cNvSpPr txBox="1"/>
+          <p:nvPr/>
+        </p:nvSpPr>
+        <p:spPr>
+          <a:xfrm>
+            <a:off x="217714" y="255046"/>
+            <a:ext cx="11756571" cy="355354"/>
+          </a:xfrm>
+          <a:prstGeom prst="rect">
+            <a:avLst/>
+          </a:prstGeom>
+          <a:noFill/>
+        </p:spPr>
+        <p:txBody>
+          <a:bodyPr wrap="square">
+            <a:spAutoFit/>
+          </a:bodyPr>
+          <a:lstStyle/>
+          <a:p>
+            <a:pPr>
+              <a:lnSpc>
+                <a:spcPct val="150000"/>
+              </a:lnSpc>
+              <a:buNone/>
+            </a:pPr>
+            <a:r>
+              <a:rPr kumimoji="0" lang="en-US" altLang="en-US" sz="1300" b="0" i="0" u="none" strike="noStrike" cap="none" normalizeH="0" baseline="0">
+                <a:ln>
+                  <a:noFill/>
+                </a:ln>
+                <a:solidFill>
+                  <a:schemeClr val="tx1"/>
+                </a:solidFill>
+                <a:effectLst/>
+                <a:latin typeface="Arial" panose="020B0604020202020204" pitchFamily="34" charset="0"/>
+              </a:rPr>
+              <a:t>.</a:t>
+            </a:r>
+          </a:p>
+        </p:txBody>
+      </p:sp>
+      <p:pic>
+        <p:nvPicPr>
+          <p:cNvPr id="4" name="Picture 3">
+            <a:extLst>
+              <a:ext uri="{FF2B5EF4-FFF2-40B4-BE49-F238E27FC236}">
+                <a16:creationId xmlns:a16="http://schemas.microsoft.com/office/drawing/2014/main" id="{C8B7FF59-0A5C-06D8-AAE0-235F0A1A3F2A}"/>
+              </a:ext>
+            </a:extLst>
+          </p:cNvPr>
+          <p:cNvPicPr>
+            <a:picLocks noChangeAspect="1"/>
+          </p:cNvPicPr>
+          <p:nvPr/>
+        </p:nvPicPr>
+        <p:blipFill>
+          <a:blip r:embed="rId2">
+            <a:extLst>
+              <a:ext uri="{28A0092B-C50C-407E-A947-70E740481C1C}">
+                <a14:useLocalDpi xmlns:a14="http://schemas.microsoft.com/office/drawing/2010/main" val="0"/>
+              </a:ext>
+            </a:extLst>
+          </a:blip>
+          <a:stretch>
+            <a:fillRect/>
+          </a:stretch>
+        </p:blipFill>
+        <p:spPr>
+          <a:xfrm>
+            <a:off x="1147072" y="1638050"/>
+            <a:ext cx="9897856" cy="3581900"/>
+          </a:xfrm>
+          <a:prstGeom prst="rect">
+            <a:avLst/>
+          </a:prstGeom>
+        </p:spPr>
+      </p:pic>
+    </p:spTree>
+    <p:extLst>
+      <p:ext uri="{BB962C8B-B14F-4D97-AF65-F5344CB8AC3E}">
+        <p14:creationId xmlns:p14="http://schemas.microsoft.com/office/powerpoint/2010/main" val="2130657185"/>
+      </p:ext>
+    </p:extLst>
+  </p:cSld>
+  <p:clrMapOvr>
+    <a:masterClrMapping/>
+  </p:clrMapOvr>
+</p:sld>
+</file>
+
+<file path=ppt/slides/slide7.xml><?xml version="1.0" encoding="utf-8"?>
 <p:sld xmlns:a="http://schemas.openxmlformats.org/drawingml/2006/main" xmlns:r="http://schemas.openxmlformats.org/officeDocument/2006/relationships" xmlns:p="http://schemas.openxmlformats.org/presentationml/2006/main">
   <p:cSld>
     <p:spTree>
@@ -5166,7 +5795,7 @@
 </p:sld>
 </file>
 
-<file path=ppt/slides/slide4.xml><?xml version="1.0" encoding="utf-8"?>
+<file path=ppt/slides/slide8.xml><?xml version="1.0" encoding="utf-8"?>
 <p:sld xmlns:a="http://schemas.openxmlformats.org/drawingml/2006/main" xmlns:r="http://schemas.openxmlformats.org/officeDocument/2006/relationships" xmlns:p="http://schemas.openxmlformats.org/presentationml/2006/main">
   <p:cSld>
     <p:spTree>
@@ -5374,7 +6003,7 @@
 </p:sld>
 </file>
 
-<file path=ppt/slides/slide5.xml><?xml version="1.0" encoding="utf-8"?>
+<file path=ppt/slides/slide9.xml><?xml version="1.0" encoding="utf-8"?>
 <p:sld xmlns:a="http://schemas.openxmlformats.org/drawingml/2006/main" xmlns:r="http://schemas.openxmlformats.org/officeDocument/2006/relationships" xmlns:p="http://schemas.openxmlformats.org/presentationml/2006/main">
   <p:cSld>
     <p:spTree>
@@ -5382,7 +6011,7 @@
         <p:cNvPr id="1" name="">
           <a:extLst>
             <a:ext uri="{FF2B5EF4-FFF2-40B4-BE49-F238E27FC236}">
-              <a16:creationId xmlns:a16="http://schemas.microsoft.com/office/drawing/2014/main" id="{B82A7EE0-52EC-7843-B752-C394FA10A4D3}"/>
+              <a16:creationId xmlns:a16="http://schemas.microsoft.com/office/drawing/2014/main" id="{3BD8044D-444C-1973-EF51-478B7D18C16A}"/>
             </a:ext>
           </a:extLst>
         </p:cNvPr>
@@ -5402,7 +6031,7 @@
           <p:cNvPr id="3" name="TextBox 2">
             <a:extLst>
               <a:ext uri="{FF2B5EF4-FFF2-40B4-BE49-F238E27FC236}">
-                <a16:creationId xmlns:a16="http://schemas.microsoft.com/office/drawing/2014/main" id="{D411CFDD-ABA2-1CC3-B263-6C1F68285835}"/>
+                <a16:creationId xmlns:a16="http://schemas.microsoft.com/office/drawing/2014/main" id="{4AF99709-5E71-172E-DE08-6EDF19801219}"/>
               </a:ext>
             </a:extLst>
           </p:cNvPr>
@@ -5447,96 +6076,46 @@
           </a:p>
         </p:txBody>
       </p:sp>
-    </p:spTree>
-    <p:extLst>
-      <p:ext uri="{BB962C8B-B14F-4D97-AF65-F5344CB8AC3E}">
-        <p14:creationId xmlns:p14="http://schemas.microsoft.com/office/powerpoint/2010/main" val="1957643702"/>
-      </p:ext>
-    </p:extLst>
-  </p:cSld>
-  <p:clrMapOvr>
-    <a:masterClrMapping/>
-  </p:clrMapOvr>
-</p:sld>
-</file>
-
-<file path=ppt/slides/slide6.xml><?xml version="1.0" encoding="utf-8"?>
-<p:sld xmlns:a="http://schemas.openxmlformats.org/drawingml/2006/main" xmlns:r="http://schemas.openxmlformats.org/officeDocument/2006/relationships" xmlns:p="http://schemas.openxmlformats.org/presentationml/2006/main">
-  <p:cSld>
-    <p:spTree>
-      <p:nvGrpSpPr>
-        <p:cNvPr id="1" name="">
-          <a:extLst>
-            <a:ext uri="{FF2B5EF4-FFF2-40B4-BE49-F238E27FC236}">
-              <a16:creationId xmlns:a16="http://schemas.microsoft.com/office/drawing/2014/main" id="{418F6AD1-47D1-A4E3-CA36-674873E115AA}"/>
-            </a:ext>
-          </a:extLst>
-        </p:cNvPr>
-        <p:cNvGrpSpPr/>
-        <p:nvPr/>
-      </p:nvGrpSpPr>
-      <p:grpSpPr>
-        <a:xfrm>
-          <a:off x="0" y="0"/>
-          <a:ext cx="0" cy="0"/>
-          <a:chOff x="0" y="0"/>
-          <a:chExt cx="0" cy="0"/>
-        </a:xfrm>
-      </p:grpSpPr>
-      <p:sp>
-        <p:nvSpPr>
-          <p:cNvPr id="3" name="TextBox 2">
-            <a:extLst>
-              <a:ext uri="{FF2B5EF4-FFF2-40B4-BE49-F238E27FC236}">
-                <a16:creationId xmlns:a16="http://schemas.microsoft.com/office/drawing/2014/main" id="{84A51F02-2891-7FE4-08FD-92204CE79F62}"/>
-              </a:ext>
-            </a:extLst>
-          </p:cNvPr>
-          <p:cNvSpPr txBox="1"/>
+      <p:pic>
+        <p:nvPicPr>
+          <p:cNvPr id="4" name="Picture 3">
+            <a:extLst>
+              <a:ext uri="{FF2B5EF4-FFF2-40B4-BE49-F238E27FC236}">
+                <a16:creationId xmlns:a16="http://schemas.microsoft.com/office/drawing/2014/main" id="{66DC4BDB-5412-BEFA-720A-6EC6F6E0D12D}"/>
+              </a:ext>
+            </a:extLst>
+          </p:cNvPr>
+          <p:cNvPicPr>
+            <a:picLocks noChangeAspect="1"/>
+          </p:cNvPicPr>
           <p:nvPr/>
-        </p:nvSpPr>
+        </p:nvPicPr>
+        <p:blipFill>
+          <a:blip r:embed="rId2">
+            <a:extLst>
+              <a:ext uri="{28A0092B-C50C-407E-A947-70E740481C1C}">
+                <a14:useLocalDpi xmlns:a14="http://schemas.microsoft.com/office/drawing/2010/main" val="0"/>
+              </a:ext>
+            </a:extLst>
+          </a:blip>
+          <a:stretch>
+            <a:fillRect/>
+          </a:stretch>
+        </p:blipFill>
         <p:spPr>
           <a:xfrm>
-            <a:off x="217714" y="255046"/>
-            <a:ext cx="11756571" cy="355354"/>
+            <a:off x="3843023" y="1428471"/>
+            <a:ext cx="4505954" cy="4001058"/>
           </a:xfrm>
           <a:prstGeom prst="rect">
             <a:avLst/>
           </a:prstGeom>
-          <a:noFill/>
         </p:spPr>
-        <p:txBody>
-          <a:bodyPr wrap="square">
-            <a:spAutoFit/>
-          </a:bodyPr>
-          <a:lstStyle/>
-          <a:p>
-            <a:pPr>
-              <a:lnSpc>
-                <a:spcPct val="150000"/>
-              </a:lnSpc>
-              <a:buNone/>
-            </a:pPr>
-            <a:r>
-              <a:rPr kumimoji="0" lang="en-US" altLang="en-US" sz="1300" b="0" i="0" u="none" strike="noStrike" cap="none" normalizeH="0" baseline="0">
-                <a:ln>
-                  <a:noFill/>
-                </a:ln>
-                <a:solidFill>
-                  <a:schemeClr val="tx1"/>
-                </a:solidFill>
-                <a:effectLst/>
-                <a:latin typeface="Arial" panose="020B0604020202020204" pitchFamily="34" charset="0"/>
-              </a:rPr>
-              <a:t>.</a:t>
-            </a:r>
-          </a:p>
-        </p:txBody>
-      </p:sp>
+      </p:pic>
     </p:spTree>
     <p:extLst>
       <p:ext uri="{BB962C8B-B14F-4D97-AF65-F5344CB8AC3E}">
-        <p14:creationId xmlns:p14="http://schemas.microsoft.com/office/powerpoint/2010/main" val="217460586"/>
+        <p14:creationId xmlns:p14="http://schemas.microsoft.com/office/powerpoint/2010/main" val="1288067812"/>
       </p:ext>
     </p:extLst>
   </p:cSld>
